--- a/2024/AI_based_DPD_6_24_2024(1).pptx
+++ b/2024/AI_based_DPD_6_24_2024(1).pptx
@@ -213,7 +213,7 @@
           <a:p>
             <a:fld id="{4715CE00-2915-4F94-B202-A818C2ADA303}" type="datetimeFigureOut">
               <a:rPr lang="zh-CN" altLang="en-US" smtClean="0"/>
-              <a:t>2024/6/25</a:t>
+              <a:t>2024/7/14</a:t>
             </a:fld>
             <a:endParaRPr lang="zh-CN" altLang="en-US"/>
           </a:p>
@@ -517,7 +517,7 @@
           <a:p>
             <a:fld id="{F52497EF-AF28-425E-8C63-E807DFCB3DFF}" type="datetimeFigureOut">
               <a:rPr lang="zh-CN" altLang="en-US" smtClean="0"/>
-              <a:t>2024/6/25</a:t>
+              <a:t>2024/7/14</a:t>
             </a:fld>
             <a:endParaRPr lang="zh-CN" altLang="en-US"/>
           </a:p>
@@ -712,7 +712,7 @@
           <a:p>
             <a:fld id="{F52497EF-AF28-425E-8C63-E807DFCB3DFF}" type="datetimeFigureOut">
               <a:rPr lang="zh-CN" altLang="en-US" smtClean="0"/>
-              <a:t>2024/6/25</a:t>
+              <a:t>2024/7/14</a:t>
             </a:fld>
             <a:endParaRPr lang="zh-CN" altLang="en-US"/>
           </a:p>
@@ -907,7 +907,7 @@
           <a:p>
             <a:fld id="{F52497EF-AF28-425E-8C63-E807DFCB3DFF}" type="datetimeFigureOut">
               <a:rPr lang="zh-CN" altLang="en-US" smtClean="0"/>
-              <a:t>2024/6/25</a:t>
+              <a:t>2024/7/14</a:t>
             </a:fld>
             <a:endParaRPr lang="zh-CN" altLang="en-US"/>
           </a:p>
@@ -1124,7 +1124,7 @@
           <a:p>
             <a:fld id="{760FBDFE-C587-4B4C-A407-44438C67B59E}" type="datetimeFigureOut">
               <a:rPr lang="zh-CN" altLang="en-US" smtClean="0"/>
-              <a:t>2024/6/25</a:t>
+              <a:t>2024/7/14</a:t>
             </a:fld>
             <a:endParaRPr lang="zh-CN" altLang="en-US"/>
           </a:p>
@@ -1291,7 +1291,7 @@
           <a:p>
             <a:fld id="{F52497EF-AF28-425E-8C63-E807DFCB3DFF}" type="datetimeFigureOut">
               <a:rPr lang="zh-CN" altLang="en-US" smtClean="0"/>
-              <a:t>2024/6/25</a:t>
+              <a:t>2024/7/14</a:t>
             </a:fld>
             <a:endParaRPr lang="zh-CN" altLang="en-US"/>
           </a:p>
@@ -1522,7 +1522,7 @@
           <a:p>
             <a:fld id="{F52497EF-AF28-425E-8C63-E807DFCB3DFF}" type="datetimeFigureOut">
               <a:rPr lang="zh-CN" altLang="en-US" smtClean="0"/>
-              <a:t>2024/6/25</a:t>
+              <a:t>2024/7/14</a:t>
             </a:fld>
             <a:endParaRPr lang="zh-CN" altLang="en-US"/>
           </a:p>
@@ -1745,7 +1745,7 @@
           <a:p>
             <a:fld id="{F52497EF-AF28-425E-8C63-E807DFCB3DFF}" type="datetimeFigureOut">
               <a:rPr lang="zh-CN" altLang="en-US" smtClean="0"/>
-              <a:t>2024/6/25</a:t>
+              <a:t>2024/7/14</a:t>
             </a:fld>
             <a:endParaRPr lang="zh-CN" altLang="en-US"/>
           </a:p>
@@ -2104,7 +2104,7 @@
           <a:p>
             <a:fld id="{F52497EF-AF28-425E-8C63-E807DFCB3DFF}" type="datetimeFigureOut">
               <a:rPr lang="zh-CN" altLang="en-US" smtClean="0"/>
-              <a:t>2024/6/25</a:t>
+              <a:t>2024/7/14</a:t>
             </a:fld>
             <a:endParaRPr lang="zh-CN" altLang="en-US"/>
           </a:p>
@@ -2209,7 +2209,7 @@
           <a:p>
             <a:fld id="{F52497EF-AF28-425E-8C63-E807DFCB3DFF}" type="datetimeFigureOut">
               <a:rPr lang="zh-CN" altLang="en-US" smtClean="0"/>
-              <a:t>2024/6/25</a:t>
+              <a:t>2024/7/14</a:t>
             </a:fld>
             <a:endParaRPr lang="zh-CN" altLang="en-US"/>
           </a:p>
@@ -2315,7 +2315,7 @@
           <a:p>
             <a:fld id="{F52497EF-AF28-425E-8C63-E807DFCB3DFF}" type="datetimeFigureOut">
               <a:rPr lang="zh-CN" altLang="en-US" smtClean="0"/>
-              <a:t>2024/6/25</a:t>
+              <a:t>2024/7/14</a:t>
             </a:fld>
             <a:endParaRPr lang="zh-CN" altLang="en-US"/>
           </a:p>
@@ -2610,7 +2610,7 @@
           <a:p>
             <a:fld id="{F52497EF-AF28-425E-8C63-E807DFCB3DFF}" type="datetimeFigureOut">
               <a:rPr lang="zh-CN" altLang="en-US" smtClean="0"/>
-              <a:t>2024/6/25</a:t>
+              <a:t>2024/7/14</a:t>
             </a:fld>
             <a:endParaRPr lang="zh-CN" altLang="en-US"/>
           </a:p>
@@ -2882,7 +2882,7 @@
           <a:p>
             <a:fld id="{F52497EF-AF28-425E-8C63-E807DFCB3DFF}" type="datetimeFigureOut">
               <a:rPr lang="zh-CN" altLang="en-US" smtClean="0"/>
-              <a:t>2024/6/25</a:t>
+              <a:t>2024/7/14</a:t>
             </a:fld>
             <a:endParaRPr lang="zh-CN" altLang="en-US"/>
           </a:p>
